--- a/merge-n-ll-pp.pptx
+++ b/merge-n-ll-pp.pptx
@@ -4406,6 +4406,16 @@
           <a:p>
             <a:pPr lvl="1"/>
             <a:r>
+              <a:rPr lang="en-US" dirty="0">
+                <a:hlinkClick r:id="rId2"/>
+              </a:rPr>
+              <a:t>https://www.youtube.com/watch?v=MbN_mhJntHg</a:t>
+            </a:r>
+            <a:endParaRPr lang="en-US" dirty="0"/>
+          </a:p>
+          <a:p>
+            <a:pPr lvl="1"/>
+            <a:r>
               <a:rPr lang="en-US" dirty="0"/>
               <a:t>https://</a:t>
             </a:r>
@@ -4423,13 +4433,8 @@
             </a:r>
             <a:r>
               <a:rPr lang="en-US" dirty="0"/>
-              <a:t>=</a:t>
-            </a:r>
-            <a:r>
-              <a:rPr lang="en-US" dirty="0" err="1"/>
-              <a:t>MbN_mhJntHg</a:t>
-            </a:r>
-            <a:endParaRPr lang="en-US" dirty="0"/>
+              <a:t>=OaPaTaj0xYo</a:t>
+            </a:r>
           </a:p>
         </p:txBody>
       </p:sp>
